--- a/testes/interface.pptx
+++ b/testes/interface.pptx
@@ -6,7 +6,7 @@
   </p:sldMasterIdLst>
   <p:sldIdLst>
     <p:sldId id="256" r:id="rId2"/>
-    <p:sldId id="257" r:id="rId3"/>
+    <p:sldId id="258" r:id="rId3"/>
   </p:sldIdLst>
   <p:sldSz cx="12192000" cy="6858000"/>
   <p:notesSz cx="6858000" cy="9144000"/>
@@ -116,13 +116,147 @@
 <file path=ppt/revisionInfo.xml><?xml version="1.0" encoding="utf-8"?>
 <p1510:revInfo xmlns:a="http://schemas.openxmlformats.org/drawingml/2006/main" xmlns:r="http://schemas.openxmlformats.org/officeDocument/2006/relationships" xmlns:p1510="http://schemas.microsoft.com/office/powerpoint/2015/10/main">
   <p1510:revLst>
-    <p1510:client id="{47DFA07C-1218-4757-B202-32F0FC9958B4}" v="1" dt="2024-01-30T00:12:33.762"/>
+    <p1510:client id="{49A23607-6A3F-498F-AF11-40C28CD6BF48}" v="9" dt="2024-02-02T22:35:33.075"/>
   </p1510:revLst>
 </p1510:revInfo>
 </file>
 
 <file path=ppt/changesInfos/changesInfo1.xml><?xml version="1.0" encoding="utf-8"?>
 <pc:chgInfo xmlns:a="http://schemas.openxmlformats.org/drawingml/2006/main" xmlns:r="http://schemas.openxmlformats.org/officeDocument/2006/relationships" xmlns:ac="http://schemas.microsoft.com/office/drawing/2013/main/command" xmlns:pc="http://schemas.microsoft.com/office/powerpoint/2013/main/command">
+  <pc:docChgLst>
+    <pc:chgData name="Pedro Jeremias" userId="cf75d914a96112f7" providerId="LiveId" clId="{49A23607-6A3F-498F-AF11-40C28CD6BF48}"/>
+    <pc:docChg chg="undo custSel addSld delSld modSld">
+      <pc:chgData name="Pedro Jeremias" userId="cf75d914a96112f7" providerId="LiveId" clId="{49A23607-6A3F-498F-AF11-40C28CD6BF48}" dt="2024-02-02T22:35:35.336" v="51" actId="47"/>
+      <pc:docMkLst>
+        <pc:docMk/>
+      </pc:docMkLst>
+      <pc:sldChg chg="addSp modSp mod">
+        <pc:chgData name="Pedro Jeremias" userId="cf75d914a96112f7" providerId="LiveId" clId="{49A23607-6A3F-498F-AF11-40C28CD6BF48}" dt="2024-02-02T22:34:16.368" v="37" actId="20577"/>
+        <pc:sldMkLst>
+          <pc:docMk/>
+          <pc:sldMk cId="1273727139" sldId="256"/>
+        </pc:sldMkLst>
+        <pc:spChg chg="add mod">
+          <ac:chgData name="Pedro Jeremias" userId="cf75d914a96112f7" providerId="LiveId" clId="{49A23607-6A3F-498F-AF11-40C28CD6BF48}" dt="2024-02-02T22:34:16.368" v="37" actId="20577"/>
+          <ac:spMkLst>
+            <pc:docMk/>
+            <pc:sldMk cId="1273727139" sldId="256"/>
+            <ac:spMk id="2" creationId="{6A94A192-9682-643E-DE79-A830DD6ADAF1}"/>
+          </ac:spMkLst>
+        </pc:spChg>
+        <pc:spChg chg="add mod">
+          <ac:chgData name="Pedro Jeremias" userId="cf75d914a96112f7" providerId="LiveId" clId="{49A23607-6A3F-498F-AF11-40C28CD6BF48}" dt="2024-02-02T22:33:52.232" v="13" actId="14100"/>
+          <ac:spMkLst>
+            <pc:docMk/>
+            <pc:sldMk cId="1273727139" sldId="256"/>
+            <ac:spMk id="3" creationId="{1528B758-D332-A164-D14B-565EA2CD9D54}"/>
+          </ac:spMkLst>
+        </pc:spChg>
+        <pc:spChg chg="mod">
+          <ac:chgData name="Pedro Jeremias" userId="cf75d914a96112f7" providerId="LiveId" clId="{49A23607-6A3F-498F-AF11-40C28CD6BF48}" dt="2024-02-02T22:33:42.362" v="11" actId="14100"/>
+          <ac:spMkLst>
+            <pc:docMk/>
+            <pc:sldMk cId="1273727139" sldId="256"/>
+            <ac:spMk id="9" creationId="{99CC5A4C-E492-FB42-5D78-9C96C47E90B3}"/>
+          </ac:spMkLst>
+        </pc:spChg>
+        <pc:spChg chg="mod">
+          <ac:chgData name="Pedro Jeremias" userId="cf75d914a96112f7" providerId="LiveId" clId="{49A23607-6A3F-498F-AF11-40C28CD6BF48}" dt="2024-02-02T22:33:30.283" v="9" actId="1076"/>
+          <ac:spMkLst>
+            <pc:docMk/>
+            <pc:sldMk cId="1273727139" sldId="256"/>
+            <ac:spMk id="10" creationId="{A89BBCD3-2574-0D26-574E-630C3AC96B6E}"/>
+          </ac:spMkLst>
+        </pc:spChg>
+        <pc:spChg chg="mod">
+          <ac:chgData name="Pedro Jeremias" userId="cf75d914a96112f7" providerId="LiveId" clId="{49A23607-6A3F-498F-AF11-40C28CD6BF48}" dt="2024-02-02T22:33:22.637" v="8" actId="1076"/>
+          <ac:spMkLst>
+            <pc:docMk/>
+            <pc:sldMk cId="1273727139" sldId="256"/>
+            <ac:spMk id="11" creationId="{40112C73-89F8-2FE3-CFC1-524CAF530FB4}"/>
+          </ac:spMkLst>
+        </pc:spChg>
+      </pc:sldChg>
+      <pc:sldChg chg="del">
+        <pc:chgData name="Pedro Jeremias" userId="cf75d914a96112f7" providerId="LiveId" clId="{49A23607-6A3F-498F-AF11-40C28CD6BF48}" dt="2024-02-02T22:35:35.336" v="51" actId="47"/>
+        <pc:sldMkLst>
+          <pc:docMk/>
+          <pc:sldMk cId="194374289" sldId="257"/>
+        </pc:sldMkLst>
+      </pc:sldChg>
+      <pc:sldChg chg="addSp modSp add mod">
+        <pc:chgData name="Pedro Jeremias" userId="cf75d914a96112f7" providerId="LiveId" clId="{49A23607-6A3F-498F-AF11-40C28CD6BF48}" dt="2024-02-02T22:35:33.075" v="50"/>
+        <pc:sldMkLst>
+          <pc:docMk/>
+          <pc:sldMk cId="1256168731" sldId="258"/>
+        </pc:sldMkLst>
+        <pc:cxnChg chg="add mod">
+          <ac:chgData name="Pedro Jeremias" userId="cf75d914a96112f7" providerId="LiveId" clId="{49A23607-6A3F-498F-AF11-40C28CD6BF48}" dt="2024-02-02T22:34:38.921" v="39"/>
+          <ac:cxnSpMkLst>
+            <pc:docMk/>
+            <pc:sldMk cId="1256168731" sldId="258"/>
+            <ac:cxnSpMk id="12" creationId="{47F8D2F0-F8C9-1A29-DF6B-29D4054C2357}"/>
+          </ac:cxnSpMkLst>
+        </pc:cxnChg>
+        <pc:cxnChg chg="add mod">
+          <ac:chgData name="Pedro Jeremias" userId="cf75d914a96112f7" providerId="LiveId" clId="{49A23607-6A3F-498F-AF11-40C28CD6BF48}" dt="2024-02-02T22:34:45.381" v="40"/>
+          <ac:cxnSpMkLst>
+            <pc:docMk/>
+            <pc:sldMk cId="1256168731" sldId="258"/>
+            <ac:cxnSpMk id="13" creationId="{8B4959C5-948E-AEA2-38A1-7B673B9D8E4B}"/>
+          </ac:cxnSpMkLst>
+        </pc:cxnChg>
+        <pc:cxnChg chg="add mod">
+          <ac:chgData name="Pedro Jeremias" userId="cf75d914a96112f7" providerId="LiveId" clId="{49A23607-6A3F-498F-AF11-40C28CD6BF48}" dt="2024-02-02T22:34:50.221" v="41"/>
+          <ac:cxnSpMkLst>
+            <pc:docMk/>
+            <pc:sldMk cId="1256168731" sldId="258"/>
+            <ac:cxnSpMk id="14" creationId="{CE019CEF-061B-BDC5-85E0-BE39A40601AA}"/>
+          </ac:cxnSpMkLst>
+        </pc:cxnChg>
+        <pc:cxnChg chg="add mod">
+          <ac:chgData name="Pedro Jeremias" userId="cf75d914a96112f7" providerId="LiveId" clId="{49A23607-6A3F-498F-AF11-40C28CD6BF48}" dt="2024-02-02T22:35:01.239" v="43" actId="1076"/>
+          <ac:cxnSpMkLst>
+            <pc:docMk/>
+            <pc:sldMk cId="1256168731" sldId="258"/>
+            <ac:cxnSpMk id="15" creationId="{C983320E-5AF2-2A6D-0505-8C34AE0C539C}"/>
+          </ac:cxnSpMkLst>
+        </pc:cxnChg>
+        <pc:cxnChg chg="add mod">
+          <ac:chgData name="Pedro Jeremias" userId="cf75d914a96112f7" providerId="LiveId" clId="{49A23607-6A3F-498F-AF11-40C28CD6BF48}" dt="2024-02-02T22:35:15.759" v="47" actId="1076"/>
+          <ac:cxnSpMkLst>
+            <pc:docMk/>
+            <pc:sldMk cId="1256168731" sldId="258"/>
+            <ac:cxnSpMk id="16" creationId="{D51641BB-02CF-C33D-CD28-0ECED5682549}"/>
+          </ac:cxnSpMkLst>
+        </pc:cxnChg>
+        <pc:cxnChg chg="add mod">
+          <ac:chgData name="Pedro Jeremias" userId="cf75d914a96112f7" providerId="LiveId" clId="{49A23607-6A3F-498F-AF11-40C28CD6BF48}" dt="2024-02-02T22:35:22.031" v="48"/>
+          <ac:cxnSpMkLst>
+            <pc:docMk/>
+            <pc:sldMk cId="1256168731" sldId="258"/>
+            <ac:cxnSpMk id="17" creationId="{6FE0F940-8F5A-4153-2F74-4D7208863D8C}"/>
+          </ac:cxnSpMkLst>
+        </pc:cxnChg>
+        <pc:cxnChg chg="add mod">
+          <ac:chgData name="Pedro Jeremias" userId="cf75d914a96112f7" providerId="LiveId" clId="{49A23607-6A3F-498F-AF11-40C28CD6BF48}" dt="2024-02-02T22:35:27.161" v="49"/>
+          <ac:cxnSpMkLst>
+            <pc:docMk/>
+            <pc:sldMk cId="1256168731" sldId="258"/>
+            <ac:cxnSpMk id="18" creationId="{DA3A4E70-D020-5E70-9782-494BEE500B42}"/>
+          </ac:cxnSpMkLst>
+        </pc:cxnChg>
+        <pc:cxnChg chg="add mod">
+          <ac:chgData name="Pedro Jeremias" userId="cf75d914a96112f7" providerId="LiveId" clId="{49A23607-6A3F-498F-AF11-40C28CD6BF48}" dt="2024-02-02T22:35:33.075" v="50"/>
+          <ac:cxnSpMkLst>
+            <pc:docMk/>
+            <pc:sldMk cId="1256168731" sldId="258"/>
+            <ac:cxnSpMk id="19" creationId="{0788E5A2-4D14-46B3-0036-646E77590066}"/>
+          </ac:cxnSpMkLst>
+        </pc:cxnChg>
+      </pc:sldChg>
+    </pc:docChg>
+  </pc:docChgLst>
   <pc:docChgLst>
     <pc:chgData name="Pedro Jeremias" userId="cf75d914a96112f7" providerId="LiveId" clId="{47DFA07C-1218-4757-B202-32F0FC9958B4}"/>
     <pc:docChg chg="modSld">
@@ -305,7 +439,7 @@
           <a:p>
             <a:fld id="{FFB4F26C-F684-4ABD-ABBC-5BDCBED949A1}" type="datetimeFigureOut">
               <a:rPr lang="pt-BR" smtClean="0"/>
-              <a:t>29/01/2024</a:t>
+              <a:t>02/02/2024</a:t>
             </a:fld>
             <a:endParaRPr lang="pt-BR"/>
           </a:p>
@@ -503,7 +637,7 @@
           <a:p>
             <a:fld id="{FFB4F26C-F684-4ABD-ABBC-5BDCBED949A1}" type="datetimeFigureOut">
               <a:rPr lang="pt-BR" smtClean="0"/>
-              <a:t>29/01/2024</a:t>
+              <a:t>02/02/2024</a:t>
             </a:fld>
             <a:endParaRPr lang="pt-BR"/>
           </a:p>
@@ -711,7 +845,7 @@
           <a:p>
             <a:fld id="{FFB4F26C-F684-4ABD-ABBC-5BDCBED949A1}" type="datetimeFigureOut">
               <a:rPr lang="pt-BR" smtClean="0"/>
-              <a:t>29/01/2024</a:t>
+              <a:t>02/02/2024</a:t>
             </a:fld>
             <a:endParaRPr lang="pt-BR"/>
           </a:p>
@@ -909,7 +1043,7 @@
           <a:p>
             <a:fld id="{FFB4F26C-F684-4ABD-ABBC-5BDCBED949A1}" type="datetimeFigureOut">
               <a:rPr lang="pt-BR" smtClean="0"/>
-              <a:t>29/01/2024</a:t>
+              <a:t>02/02/2024</a:t>
             </a:fld>
             <a:endParaRPr lang="pt-BR"/>
           </a:p>
@@ -1184,7 +1318,7 @@
           <a:p>
             <a:fld id="{FFB4F26C-F684-4ABD-ABBC-5BDCBED949A1}" type="datetimeFigureOut">
               <a:rPr lang="pt-BR" smtClean="0"/>
-              <a:t>29/01/2024</a:t>
+              <a:t>02/02/2024</a:t>
             </a:fld>
             <a:endParaRPr lang="pt-BR"/>
           </a:p>
@@ -1449,7 +1583,7 @@
           <a:p>
             <a:fld id="{FFB4F26C-F684-4ABD-ABBC-5BDCBED949A1}" type="datetimeFigureOut">
               <a:rPr lang="pt-BR" smtClean="0"/>
-              <a:t>29/01/2024</a:t>
+              <a:t>02/02/2024</a:t>
             </a:fld>
             <a:endParaRPr lang="pt-BR"/>
           </a:p>
@@ -1861,7 +1995,7 @@
           <a:p>
             <a:fld id="{FFB4F26C-F684-4ABD-ABBC-5BDCBED949A1}" type="datetimeFigureOut">
               <a:rPr lang="pt-BR" smtClean="0"/>
-              <a:t>29/01/2024</a:t>
+              <a:t>02/02/2024</a:t>
             </a:fld>
             <a:endParaRPr lang="pt-BR"/>
           </a:p>
@@ -2002,7 +2136,7 @@
           <a:p>
             <a:fld id="{FFB4F26C-F684-4ABD-ABBC-5BDCBED949A1}" type="datetimeFigureOut">
               <a:rPr lang="pt-BR" smtClean="0"/>
-              <a:t>29/01/2024</a:t>
+              <a:t>02/02/2024</a:t>
             </a:fld>
             <a:endParaRPr lang="pt-BR"/>
           </a:p>
@@ -2115,7 +2249,7 @@
           <a:p>
             <a:fld id="{FFB4F26C-F684-4ABD-ABBC-5BDCBED949A1}" type="datetimeFigureOut">
               <a:rPr lang="pt-BR" smtClean="0"/>
-              <a:t>29/01/2024</a:t>
+              <a:t>02/02/2024</a:t>
             </a:fld>
             <a:endParaRPr lang="pt-BR"/>
           </a:p>
@@ -2426,7 +2560,7 @@
           <a:p>
             <a:fld id="{FFB4F26C-F684-4ABD-ABBC-5BDCBED949A1}" type="datetimeFigureOut">
               <a:rPr lang="pt-BR" smtClean="0"/>
-              <a:t>29/01/2024</a:t>
+              <a:t>02/02/2024</a:t>
             </a:fld>
             <a:endParaRPr lang="pt-BR"/>
           </a:p>
@@ -2714,7 +2848,7 @@
           <a:p>
             <a:fld id="{FFB4F26C-F684-4ABD-ABBC-5BDCBED949A1}" type="datetimeFigureOut">
               <a:rPr lang="pt-BR" smtClean="0"/>
-              <a:t>29/01/2024</a:t>
+              <a:t>02/02/2024</a:t>
             </a:fld>
             <a:endParaRPr lang="pt-BR"/>
           </a:p>
@@ -2955,7 +3089,7 @@
           <a:p>
             <a:fld id="{FFB4F26C-F684-4ABD-ABBC-5BDCBED949A1}" type="datetimeFigureOut">
               <a:rPr lang="pt-BR" smtClean="0"/>
-              <a:t>29/01/2024</a:t>
+              <a:t>02/02/2024</a:t>
             </a:fld>
             <a:endParaRPr lang="pt-BR"/>
           </a:p>
@@ -3589,8 +3723,8 @@
         </p:nvSpPr>
         <p:spPr>
           <a:xfrm>
-            <a:off x="2304909" y="2904624"/>
-            <a:ext cx="3791091" cy="255032"/>
+            <a:off x="2603834" y="2904624"/>
+            <a:ext cx="6791325" cy="255032"/>
           </a:xfrm>
           <a:prstGeom prst="rect">
             <a:avLst/>
@@ -3638,7 +3772,7 @@
         </p:nvSpPr>
         <p:spPr>
           <a:xfrm>
-            <a:off x="4503569" y="3744896"/>
+            <a:off x="4600073" y="5060147"/>
             <a:ext cx="2991853" cy="528253"/>
           </a:xfrm>
           <a:prstGeom prst="roundRect">
@@ -3687,7 +3821,7 @@
         </p:nvSpPr>
         <p:spPr>
           <a:xfrm>
-            <a:off x="5717531" y="4858389"/>
+            <a:off x="5717531" y="5981135"/>
             <a:ext cx="756938" cy="369332"/>
           </a:xfrm>
           <a:prstGeom prst="rect">
@@ -3709,6 +3843,90 @@
               </a:rPr>
               <a:t>10/20</a:t>
             </a:r>
+          </a:p>
+        </p:txBody>
+      </p:sp>
+      <p:sp>
+        <p:nvSpPr>
+          <p:cNvPr id="2" name="CaixaDeTexto 1">
+            <a:extLst>
+              <a:ext uri="{FF2B5EF4-FFF2-40B4-BE49-F238E27FC236}">
+                <a16:creationId xmlns:a16="http://schemas.microsoft.com/office/drawing/2014/main" id="{6A94A192-9682-643E-DE79-A830DD6ADAF1}"/>
+              </a:ext>
+            </a:extLst>
+          </p:cNvPr>
+          <p:cNvSpPr txBox="1"/>
+          <p:nvPr/>
+        </p:nvSpPr>
+        <p:spPr>
+          <a:xfrm>
+            <a:off x="371475" y="4009023"/>
+            <a:ext cx="1336584" cy="369332"/>
+          </a:xfrm>
+          <a:prstGeom prst="rect">
+            <a:avLst/>
+          </a:prstGeom>
+          <a:noFill/>
+        </p:spPr>
+        <p:txBody>
+          <a:bodyPr wrap="none" rtlCol="0">
+            <a:spAutoFit/>
+          </a:bodyPr>
+          <a:lstStyle/>
+          <a:p>
+            <a:r>
+              <a:rPr lang="pt-BR" dirty="0"/>
+              <a:t>Pasta Final:</a:t>
+            </a:r>
+          </a:p>
+        </p:txBody>
+      </p:sp>
+      <p:sp>
+        <p:nvSpPr>
+          <p:cNvPr id="3" name="Retângulo 2">
+            <a:extLst>
+              <a:ext uri="{FF2B5EF4-FFF2-40B4-BE49-F238E27FC236}">
+                <a16:creationId xmlns:a16="http://schemas.microsoft.com/office/drawing/2014/main" id="{1528B758-D332-A164-D14B-565EA2CD9D54}"/>
+              </a:ext>
+            </a:extLst>
+          </p:cNvPr>
+          <p:cNvSpPr/>
+          <p:nvPr/>
+        </p:nvSpPr>
+        <p:spPr>
+          <a:xfrm>
+            <a:off x="2603834" y="4082717"/>
+            <a:ext cx="6791325" cy="255032"/>
+          </a:xfrm>
+          <a:prstGeom prst="rect">
+            <a:avLst/>
+          </a:prstGeom>
+          <a:solidFill>
+            <a:schemeClr val="bg1"/>
+          </a:solidFill>
+        </p:spPr>
+        <p:style>
+          <a:lnRef idx="2">
+            <a:schemeClr val="accent1">
+              <a:shade val="15000"/>
+            </a:schemeClr>
+          </a:lnRef>
+          <a:fillRef idx="1">
+            <a:schemeClr val="accent1"/>
+          </a:fillRef>
+          <a:effectRef idx="0">
+            <a:schemeClr val="accent1"/>
+          </a:effectRef>
+          <a:fontRef idx="minor">
+            <a:schemeClr val="lt1"/>
+          </a:fontRef>
+        </p:style>
+        <p:txBody>
+          <a:bodyPr rtlCol="0" anchor="ctr"/>
+          <a:lstStyle/>
+          <a:p>
+            <a:pPr algn="ctr"/>
+            <a:endParaRPr lang="pt-BR" dirty="0"/>
           </a:p>
         </p:txBody>
       </p:sp>
@@ -3826,8 +4044,8 @@
         </p:nvSpPr>
         <p:spPr>
           <a:xfrm>
-            <a:off x="2449288" y="1742072"/>
-            <a:ext cx="6945871" cy="255032"/>
+            <a:off x="2603834" y="1742072"/>
+            <a:ext cx="6791325" cy="255032"/>
           </a:xfrm>
           <a:prstGeom prst="rect">
             <a:avLst/>
@@ -3959,8 +4177,8 @@
         </p:nvSpPr>
         <p:spPr>
           <a:xfrm>
-            <a:off x="2449288" y="2904624"/>
-            <a:ext cx="3646712" cy="255032"/>
+            <a:off x="2603834" y="2904624"/>
+            <a:ext cx="6791325" cy="255032"/>
           </a:xfrm>
           <a:prstGeom prst="rect">
             <a:avLst/>
@@ -4008,15 +4226,12 @@
         </p:nvSpPr>
         <p:spPr>
           <a:xfrm>
-            <a:off x="4503569" y="3744896"/>
+            <a:off x="4600073" y="5060147"/>
             <a:ext cx="2991853" cy="528253"/>
           </a:xfrm>
           <a:prstGeom prst="roundRect">
             <a:avLst/>
           </a:prstGeom>
-          <a:solidFill>
-            <a:schemeClr val="accent1"/>
-          </a:solidFill>
         </p:spPr>
         <p:style>
           <a:lnRef idx="2">
@@ -4060,7 +4275,7 @@
         </p:nvSpPr>
         <p:spPr>
           <a:xfrm>
-            <a:off x="5717531" y="4858389"/>
+            <a:off x="5717531" y="5981135"/>
             <a:ext cx="756938" cy="369332"/>
           </a:xfrm>
           <a:prstGeom prst="rect">
@@ -4085,12 +4300,96 @@
           </a:p>
         </p:txBody>
       </p:sp>
+      <p:sp>
+        <p:nvSpPr>
+          <p:cNvPr id="2" name="CaixaDeTexto 1">
+            <a:extLst>
+              <a:ext uri="{FF2B5EF4-FFF2-40B4-BE49-F238E27FC236}">
+                <a16:creationId xmlns:a16="http://schemas.microsoft.com/office/drawing/2014/main" id="{6A94A192-9682-643E-DE79-A830DD6ADAF1}"/>
+              </a:ext>
+            </a:extLst>
+          </p:cNvPr>
+          <p:cNvSpPr txBox="1"/>
+          <p:nvPr/>
+        </p:nvSpPr>
+        <p:spPr>
+          <a:xfrm>
+            <a:off x="371475" y="4009023"/>
+            <a:ext cx="1336584" cy="369332"/>
+          </a:xfrm>
+          <a:prstGeom prst="rect">
+            <a:avLst/>
+          </a:prstGeom>
+          <a:noFill/>
+        </p:spPr>
+        <p:txBody>
+          <a:bodyPr wrap="none" rtlCol="0">
+            <a:spAutoFit/>
+          </a:bodyPr>
+          <a:lstStyle/>
+          <a:p>
+            <a:r>
+              <a:rPr lang="pt-BR" dirty="0"/>
+              <a:t>Pasta Final:</a:t>
+            </a:r>
+          </a:p>
+        </p:txBody>
+      </p:sp>
+      <p:sp>
+        <p:nvSpPr>
+          <p:cNvPr id="3" name="Retângulo 2">
+            <a:extLst>
+              <a:ext uri="{FF2B5EF4-FFF2-40B4-BE49-F238E27FC236}">
+                <a16:creationId xmlns:a16="http://schemas.microsoft.com/office/drawing/2014/main" id="{1528B758-D332-A164-D14B-565EA2CD9D54}"/>
+              </a:ext>
+            </a:extLst>
+          </p:cNvPr>
+          <p:cNvSpPr/>
+          <p:nvPr/>
+        </p:nvSpPr>
+        <p:spPr>
+          <a:xfrm>
+            <a:off x="2603834" y="4082717"/>
+            <a:ext cx="6791325" cy="255032"/>
+          </a:xfrm>
+          <a:prstGeom prst="rect">
+            <a:avLst/>
+          </a:prstGeom>
+          <a:solidFill>
+            <a:schemeClr val="bg1"/>
+          </a:solidFill>
+        </p:spPr>
+        <p:style>
+          <a:lnRef idx="2">
+            <a:schemeClr val="accent1">
+              <a:shade val="15000"/>
+            </a:schemeClr>
+          </a:lnRef>
+          <a:fillRef idx="1">
+            <a:schemeClr val="accent1"/>
+          </a:fillRef>
+          <a:effectRef idx="0">
+            <a:schemeClr val="accent1"/>
+          </a:effectRef>
+          <a:fontRef idx="minor">
+            <a:schemeClr val="lt1"/>
+          </a:fontRef>
+        </p:style>
+        <p:txBody>
+          <a:bodyPr rtlCol="0" anchor="ctr"/>
+          <a:lstStyle/>
+          <a:p>
+            <a:pPr algn="ctr"/>
+            <a:endParaRPr lang="pt-BR" dirty="0"/>
+          </a:p>
+        </p:txBody>
+      </p:sp>
       <p:cxnSp>
         <p:nvCxnSpPr>
-          <p:cNvPr id="3" name="Conector reto 2">
-            <a:extLst>
-              <a:ext uri="{FF2B5EF4-FFF2-40B4-BE49-F238E27FC236}">
-                <a16:creationId xmlns:a16="http://schemas.microsoft.com/office/drawing/2014/main" id="{FC697E02-2C2D-336A-5757-8A00FCF14330}"/>
+          <p:cNvPr id="12" name="Conector reto 11">
+            <a:extLst>
+              <a:ext uri="{FF2B5EF4-FFF2-40B4-BE49-F238E27FC236}">
+                <a16:creationId xmlns:a16="http://schemas.microsoft.com/office/drawing/2014/main" id="{47F8D2F0-F8C9-1A29-DF6B-29D4054C2357}"/>
               </a:ext>
             </a:extLst>
           </p:cNvPr>
@@ -4099,12 +4398,17 @@
         </p:nvCxnSpPr>
         <p:spPr>
           <a:xfrm>
-            <a:off x="2449288" y="0"/>
-            <a:ext cx="0" cy="6858000"/>
+            <a:off x="0" y="1267325"/>
+            <a:ext cx="12192000" cy="0"/>
           </a:xfrm>
           <a:prstGeom prst="line">
             <a:avLst/>
           </a:prstGeom>
+          <a:ln>
+            <a:solidFill>
+              <a:srgbClr val="FF0000"/>
+            </a:solidFill>
+          </a:ln>
         </p:spPr>
         <p:style>
           <a:lnRef idx="2">
@@ -4126,7 +4430,7 @@
           <p:cNvPr id="13" name="Conector reto 12">
             <a:extLst>
               <a:ext uri="{FF2B5EF4-FFF2-40B4-BE49-F238E27FC236}">
-                <a16:creationId xmlns:a16="http://schemas.microsoft.com/office/drawing/2014/main" id="{4E77170F-04CD-0AB8-EB67-B811260BA407}"/>
+                <a16:creationId xmlns:a16="http://schemas.microsoft.com/office/drawing/2014/main" id="{8B4959C5-948E-AEA2-38A1-7B673B9D8E4B}"/>
               </a:ext>
             </a:extLst>
           </p:cNvPr>
@@ -4135,12 +4439,58 @@
         </p:nvCxnSpPr>
         <p:spPr>
           <a:xfrm>
-            <a:off x="6096000" y="0"/>
-            <a:ext cx="0" cy="6858000"/>
+            <a:off x="0" y="2502568"/>
+            <a:ext cx="12192000" cy="0"/>
           </a:xfrm>
           <a:prstGeom prst="line">
             <a:avLst/>
           </a:prstGeom>
+          <a:ln>
+            <a:solidFill>
+              <a:srgbClr val="FF0000"/>
+            </a:solidFill>
+          </a:ln>
+        </p:spPr>
+        <p:style>
+          <a:lnRef idx="2">
+            <a:schemeClr val="accent1"/>
+          </a:lnRef>
+          <a:fillRef idx="0">
+            <a:schemeClr val="accent1"/>
+          </a:fillRef>
+          <a:effectRef idx="1">
+            <a:schemeClr val="accent1"/>
+          </a:effectRef>
+          <a:fontRef idx="minor">
+            <a:schemeClr val="tx1"/>
+          </a:fontRef>
+        </p:style>
+      </p:cxnSp>
+      <p:cxnSp>
+        <p:nvCxnSpPr>
+          <p:cNvPr id="14" name="Conector reto 13">
+            <a:extLst>
+              <a:ext uri="{FF2B5EF4-FFF2-40B4-BE49-F238E27FC236}">
+                <a16:creationId xmlns:a16="http://schemas.microsoft.com/office/drawing/2014/main" id="{CE019CEF-061B-BDC5-85E0-BE39A40601AA}"/>
+              </a:ext>
+            </a:extLst>
+          </p:cNvPr>
+          <p:cNvCxnSpPr/>
+          <p:nvPr/>
+        </p:nvCxnSpPr>
+        <p:spPr>
+          <a:xfrm>
+            <a:off x="0" y="3625516"/>
+            <a:ext cx="12192000" cy="0"/>
+          </a:xfrm>
+          <a:prstGeom prst="line">
+            <a:avLst/>
+          </a:prstGeom>
+          <a:ln>
+            <a:solidFill>
+              <a:srgbClr val="FF0000"/>
+            </a:solidFill>
+          </a:ln>
         </p:spPr>
         <p:style>
           <a:lnRef idx="2">
@@ -4162,7 +4512,7 @@
           <p:cNvPr id="15" name="Conector reto 14">
             <a:extLst>
               <a:ext uri="{FF2B5EF4-FFF2-40B4-BE49-F238E27FC236}">
-                <a16:creationId xmlns:a16="http://schemas.microsoft.com/office/drawing/2014/main" id="{144B2A9A-85FB-61FB-2F3D-C0605F9DE5E8}"/>
+                <a16:creationId xmlns:a16="http://schemas.microsoft.com/office/drawing/2014/main" id="{C983320E-5AF2-2A6D-0505-8C34AE0C539C}"/>
               </a:ext>
             </a:extLst>
           </p:cNvPr>
@@ -4171,12 +4521,58 @@
         </p:nvCxnSpPr>
         <p:spPr>
           <a:xfrm>
-            <a:off x="9395159" y="0"/>
-            <a:ext cx="0" cy="6858000"/>
+            <a:off x="0" y="4732421"/>
+            <a:ext cx="12192000" cy="0"/>
           </a:xfrm>
           <a:prstGeom prst="line">
             <a:avLst/>
           </a:prstGeom>
+          <a:ln>
+            <a:solidFill>
+              <a:srgbClr val="FF0000"/>
+            </a:solidFill>
+          </a:ln>
+        </p:spPr>
+        <p:style>
+          <a:lnRef idx="2">
+            <a:schemeClr val="accent1"/>
+          </a:lnRef>
+          <a:fillRef idx="0">
+            <a:schemeClr val="accent1"/>
+          </a:fillRef>
+          <a:effectRef idx="1">
+            <a:schemeClr val="accent1"/>
+          </a:effectRef>
+          <a:fontRef idx="minor">
+            <a:schemeClr val="tx1"/>
+          </a:fontRef>
+        </p:style>
+      </p:cxnSp>
+      <p:cxnSp>
+        <p:nvCxnSpPr>
+          <p:cNvPr id="16" name="Conector reto 15">
+            <a:extLst>
+              <a:ext uri="{FF2B5EF4-FFF2-40B4-BE49-F238E27FC236}">
+                <a16:creationId xmlns:a16="http://schemas.microsoft.com/office/drawing/2014/main" id="{D51641BB-02CF-C33D-CD28-0ECED5682549}"/>
+              </a:ext>
+            </a:extLst>
+          </p:cNvPr>
+          <p:cNvCxnSpPr/>
+          <p:nvPr/>
+        </p:nvCxnSpPr>
+        <p:spPr>
+          <a:xfrm>
+            <a:off x="0" y="5908946"/>
+            <a:ext cx="12192000" cy="0"/>
+          </a:xfrm>
+          <a:prstGeom prst="line">
+            <a:avLst/>
+          </a:prstGeom>
+          <a:ln>
+            <a:solidFill>
+              <a:srgbClr val="FF0000"/>
+            </a:solidFill>
+          </a:ln>
         </p:spPr>
         <p:style>
           <a:lnRef idx="2">
@@ -4198,7 +4594,7 @@
           <p:cNvPr id="17" name="Conector reto 16">
             <a:extLst>
               <a:ext uri="{FF2B5EF4-FFF2-40B4-BE49-F238E27FC236}">
-                <a16:creationId xmlns:a16="http://schemas.microsoft.com/office/drawing/2014/main" id="{34437A36-ED10-080B-2C66-39AEBFFB4EDC}"/>
+                <a16:creationId xmlns:a16="http://schemas.microsoft.com/office/drawing/2014/main" id="{6FE0F940-8F5A-4153-2F74-4D7208863D8C}"/>
               </a:ext>
             </a:extLst>
           </p:cNvPr>
@@ -4207,17 +4603,48 @@
         </p:nvCxnSpPr>
         <p:spPr>
           <a:xfrm>
-            <a:off x="0" y="2502568"/>
-            <a:ext cx="12192000" cy="0"/>
+            <a:off x="2449288" y="0"/>
+            <a:ext cx="0" cy="6858000"/>
           </a:xfrm>
           <a:prstGeom prst="line">
             <a:avLst/>
           </a:prstGeom>
-          <a:ln>
-            <a:solidFill>
-              <a:srgbClr val="FF0000"/>
-            </a:solidFill>
-          </a:ln>
+        </p:spPr>
+        <p:style>
+          <a:lnRef idx="2">
+            <a:schemeClr val="accent1"/>
+          </a:lnRef>
+          <a:fillRef idx="0">
+            <a:schemeClr val="accent1"/>
+          </a:fillRef>
+          <a:effectRef idx="1">
+            <a:schemeClr val="accent1"/>
+          </a:effectRef>
+          <a:fontRef idx="minor">
+            <a:schemeClr val="tx1"/>
+          </a:fontRef>
+        </p:style>
+      </p:cxnSp>
+      <p:cxnSp>
+        <p:nvCxnSpPr>
+          <p:cNvPr id="18" name="Conector reto 17">
+            <a:extLst>
+              <a:ext uri="{FF2B5EF4-FFF2-40B4-BE49-F238E27FC236}">
+                <a16:creationId xmlns:a16="http://schemas.microsoft.com/office/drawing/2014/main" id="{DA3A4E70-D020-5E70-9782-494BEE500B42}"/>
+              </a:ext>
+            </a:extLst>
+          </p:cNvPr>
+          <p:cNvCxnSpPr/>
+          <p:nvPr/>
+        </p:nvCxnSpPr>
+        <p:spPr>
+          <a:xfrm>
+            <a:off x="6096000" y="0"/>
+            <a:ext cx="0" cy="6858000"/>
+          </a:xfrm>
+          <a:prstGeom prst="line">
+            <a:avLst/>
+          </a:prstGeom>
         </p:spPr>
         <p:style>
           <a:lnRef idx="2">
@@ -4239,7 +4666,7 @@
           <p:cNvPr id="19" name="Conector reto 18">
             <a:extLst>
               <a:ext uri="{FF2B5EF4-FFF2-40B4-BE49-F238E27FC236}">
-                <a16:creationId xmlns:a16="http://schemas.microsoft.com/office/drawing/2014/main" id="{0BB824A7-DA81-1F30-D728-26D57850324A}"/>
+                <a16:creationId xmlns:a16="http://schemas.microsoft.com/office/drawing/2014/main" id="{0788E5A2-4D14-46B3-0036-646E77590066}"/>
               </a:ext>
             </a:extLst>
           </p:cNvPr>
@@ -4248,99 +4675,12 @@
         </p:nvCxnSpPr>
         <p:spPr>
           <a:xfrm>
-            <a:off x="0" y="3625516"/>
-            <a:ext cx="12192000" cy="0"/>
+            <a:off x="9395159" y="0"/>
+            <a:ext cx="0" cy="6858000"/>
           </a:xfrm>
           <a:prstGeom prst="line">
             <a:avLst/>
           </a:prstGeom>
-          <a:ln>
-            <a:solidFill>
-              <a:srgbClr val="FF0000"/>
-            </a:solidFill>
-          </a:ln>
-        </p:spPr>
-        <p:style>
-          <a:lnRef idx="2">
-            <a:schemeClr val="accent1"/>
-          </a:lnRef>
-          <a:fillRef idx="0">
-            <a:schemeClr val="accent1"/>
-          </a:fillRef>
-          <a:effectRef idx="1">
-            <a:schemeClr val="accent1"/>
-          </a:effectRef>
-          <a:fontRef idx="minor">
-            <a:schemeClr val="tx1"/>
-          </a:fontRef>
-        </p:style>
-      </p:cxnSp>
-      <p:cxnSp>
-        <p:nvCxnSpPr>
-          <p:cNvPr id="20" name="Conector reto 19">
-            <a:extLst>
-              <a:ext uri="{FF2B5EF4-FFF2-40B4-BE49-F238E27FC236}">
-                <a16:creationId xmlns:a16="http://schemas.microsoft.com/office/drawing/2014/main" id="{5037991D-BCDE-DB59-BADA-44DA66B38F50}"/>
-              </a:ext>
-            </a:extLst>
-          </p:cNvPr>
-          <p:cNvCxnSpPr/>
-          <p:nvPr/>
-        </p:nvCxnSpPr>
-        <p:spPr>
-          <a:xfrm>
-            <a:off x="0" y="4563979"/>
-            <a:ext cx="12192000" cy="0"/>
-          </a:xfrm>
-          <a:prstGeom prst="line">
-            <a:avLst/>
-          </a:prstGeom>
-          <a:ln>
-            <a:solidFill>
-              <a:srgbClr val="FF0000"/>
-            </a:solidFill>
-          </a:ln>
-        </p:spPr>
-        <p:style>
-          <a:lnRef idx="2">
-            <a:schemeClr val="accent1"/>
-          </a:lnRef>
-          <a:fillRef idx="0">
-            <a:schemeClr val="accent1"/>
-          </a:fillRef>
-          <a:effectRef idx="1">
-            <a:schemeClr val="accent1"/>
-          </a:effectRef>
-          <a:fontRef idx="minor">
-            <a:schemeClr val="tx1"/>
-          </a:fontRef>
-        </p:style>
-      </p:cxnSp>
-      <p:cxnSp>
-        <p:nvCxnSpPr>
-          <p:cNvPr id="2" name="Conector reto 1">
-            <a:extLst>
-              <a:ext uri="{FF2B5EF4-FFF2-40B4-BE49-F238E27FC236}">
-                <a16:creationId xmlns:a16="http://schemas.microsoft.com/office/drawing/2014/main" id="{C2C87587-CDF7-FD7E-D9BE-B061C74F77FF}"/>
-              </a:ext>
-            </a:extLst>
-          </p:cNvPr>
-          <p:cNvCxnSpPr/>
-          <p:nvPr/>
-        </p:nvCxnSpPr>
-        <p:spPr>
-          <a:xfrm>
-            <a:off x="0" y="1267325"/>
-            <a:ext cx="12192000" cy="0"/>
-          </a:xfrm>
-          <a:prstGeom prst="line">
-            <a:avLst/>
-          </a:prstGeom>
-          <a:ln>
-            <a:solidFill>
-              <a:srgbClr val="FF0000"/>
-            </a:solidFill>
-          </a:ln>
         </p:spPr>
         <p:style>
           <a:lnRef idx="2">
@@ -4360,7 +4700,7 @@
     </p:spTree>
     <p:extLst>
       <p:ext uri="{BB962C8B-B14F-4D97-AF65-F5344CB8AC3E}">
-        <p14:creationId xmlns:p14="http://schemas.microsoft.com/office/powerpoint/2010/main" val="194374289"/>
+        <p14:creationId xmlns:p14="http://schemas.microsoft.com/office/powerpoint/2010/main" val="1256168731"/>
       </p:ext>
     </p:extLst>
   </p:cSld>
